--- a/Sesión 3 - Estrategias de branching/C1. Gitflow workflow.pptx
+++ b/Sesión 3 - Estrategias de branching/C1. Gitflow workflow.pptx
@@ -357,7 +357,7 @@
           <a:p>
             <a:fld id="{4D6CBEC5-E3B3-4C79-AD18-FA1B603BD95D}" type="datetimeFigureOut">
               <a:rPr lang="es-CO" smtClean="0"/>
-              <a:t>31/07/20</a:t>
+              <a:t>29/01/21</a:t>
             </a:fld>
             <a:endParaRPr lang="es-CO"/>
           </a:p>
@@ -399,7 +399,7 @@
           <a:p>
             <a:fld id="{5F38FB29-941F-4322-8946-FBFDBAD7DEE7}" type="slidenum">
               <a:rPr lang="es-CO" smtClean="0"/>
-              <a:t>‹#›</a:t>
+              <a:t>‹Nº›</a:t>
             </a:fld>
             <a:endParaRPr lang="es-CO"/>
           </a:p>
@@ -565,7 +565,7 @@
           <a:p>
             <a:fld id="{4D6CBEC5-E3B3-4C79-AD18-FA1B603BD95D}" type="datetimeFigureOut">
               <a:rPr lang="es-CO" smtClean="0"/>
-              <a:t>31/07/20</a:t>
+              <a:t>29/01/21</a:t>
             </a:fld>
             <a:endParaRPr lang="es-CO"/>
           </a:p>
@@ -607,7 +607,7 @@
           <a:p>
             <a:fld id="{5F38FB29-941F-4322-8946-FBFDBAD7DEE7}" type="slidenum">
               <a:rPr lang="es-CO" smtClean="0"/>
-              <a:t>‹#›</a:t>
+              <a:t>‹Nº›</a:t>
             </a:fld>
             <a:endParaRPr lang="es-CO"/>
           </a:p>
@@ -821,7 +821,7 @@
           <a:p>
             <a:fld id="{4D6CBEC5-E3B3-4C79-AD18-FA1B603BD95D}" type="datetimeFigureOut">
               <a:rPr lang="es-CO" smtClean="0"/>
-              <a:t>31/07/20</a:t>
+              <a:t>29/01/21</a:t>
             </a:fld>
             <a:endParaRPr lang="es-CO"/>
           </a:p>
@@ -863,7 +863,7 @@
           <a:p>
             <a:fld id="{5F38FB29-941F-4322-8946-FBFDBAD7DEE7}" type="slidenum">
               <a:rPr lang="es-CO" smtClean="0"/>
-              <a:t>‹#›</a:t>
+              <a:t>‹Nº›</a:t>
             </a:fld>
             <a:endParaRPr lang="es-CO"/>
           </a:p>
@@ -995,7 +995,7 @@
           <a:p>
             <a:fld id="{4D6CBEC5-E3B3-4C79-AD18-FA1B603BD95D}" type="datetimeFigureOut">
               <a:rPr lang="es-CO" smtClean="0"/>
-              <a:t>31/07/20</a:t>
+              <a:t>29/01/21</a:t>
             </a:fld>
             <a:endParaRPr lang="es-CO"/>
           </a:p>
@@ -1037,7 +1037,7 @@
           <a:p>
             <a:fld id="{5F38FB29-941F-4322-8946-FBFDBAD7DEE7}" type="slidenum">
               <a:rPr lang="es-CO" smtClean="0"/>
-              <a:t>‹#›</a:t>
+              <a:t>‹Nº›</a:t>
             </a:fld>
             <a:endParaRPr lang="es-CO"/>
           </a:p>
@@ -1338,7 +1338,7 @@
           <a:p>
             <a:fld id="{4D6CBEC5-E3B3-4C79-AD18-FA1B603BD95D}" type="datetimeFigureOut">
               <a:rPr lang="es-CO" smtClean="0"/>
-              <a:t>31/07/20</a:t>
+              <a:t>29/01/21</a:t>
             </a:fld>
             <a:endParaRPr lang="es-CO"/>
           </a:p>
@@ -1380,7 +1380,7 @@
           <a:p>
             <a:fld id="{5F38FB29-941F-4322-8946-FBFDBAD7DEE7}" type="slidenum">
               <a:rPr lang="es-CO" smtClean="0"/>
-              <a:t>‹#›</a:t>
+              <a:t>‹Nº›</a:t>
             </a:fld>
             <a:endParaRPr lang="es-CO"/>
           </a:p>
@@ -1613,7 +1613,7 @@
           <a:p>
             <a:fld id="{4D6CBEC5-E3B3-4C79-AD18-FA1B603BD95D}" type="datetimeFigureOut">
               <a:rPr lang="es-CO" smtClean="0"/>
-              <a:t>31/07/20</a:t>
+              <a:t>29/01/21</a:t>
             </a:fld>
             <a:endParaRPr lang="es-CO"/>
           </a:p>
@@ -1655,7 +1655,7 @@
           <a:p>
             <a:fld id="{5F38FB29-941F-4322-8946-FBFDBAD7DEE7}" type="slidenum">
               <a:rPr lang="es-CO" smtClean="0"/>
-              <a:t>‹#›</a:t>
+              <a:t>‹Nº›</a:t>
             </a:fld>
             <a:endParaRPr lang="es-CO"/>
           </a:p>
@@ -1992,7 +1992,7 @@
           <a:p>
             <a:fld id="{4D6CBEC5-E3B3-4C79-AD18-FA1B603BD95D}" type="datetimeFigureOut">
               <a:rPr lang="es-CO" smtClean="0"/>
-              <a:t>31/07/20</a:t>
+              <a:t>29/01/21</a:t>
             </a:fld>
             <a:endParaRPr lang="es-CO"/>
           </a:p>
@@ -2034,7 +2034,7 @@
           <a:p>
             <a:fld id="{5F38FB29-941F-4322-8946-FBFDBAD7DEE7}" type="slidenum">
               <a:rPr lang="es-CO" smtClean="0"/>
-              <a:t>‹#›</a:t>
+              <a:t>‹Nº›</a:t>
             </a:fld>
             <a:endParaRPr lang="es-CO"/>
           </a:p>
@@ -2110,7 +2110,7 @@
           <a:p>
             <a:fld id="{4D6CBEC5-E3B3-4C79-AD18-FA1B603BD95D}" type="datetimeFigureOut">
               <a:rPr lang="es-CO" smtClean="0"/>
-              <a:t>31/07/20</a:t>
+              <a:t>29/01/21</a:t>
             </a:fld>
             <a:endParaRPr lang="es-CO"/>
           </a:p>
@@ -2152,7 +2152,7 @@
           <a:p>
             <a:fld id="{5F38FB29-941F-4322-8946-FBFDBAD7DEE7}" type="slidenum">
               <a:rPr lang="es-CO" smtClean="0"/>
-              <a:t>‹#›</a:t>
+              <a:t>‹Nº›</a:t>
             </a:fld>
             <a:endParaRPr lang="es-CO"/>
           </a:p>
@@ -2281,7 +2281,7 @@
           <a:p>
             <a:fld id="{4D6CBEC5-E3B3-4C79-AD18-FA1B603BD95D}" type="datetimeFigureOut">
               <a:rPr lang="es-CO" smtClean="0"/>
-              <a:t>31/07/20</a:t>
+              <a:t>29/01/21</a:t>
             </a:fld>
             <a:endParaRPr lang="es-CO"/>
           </a:p>
@@ -2331,7 +2331,7 @@
           <a:p>
             <a:fld id="{5F38FB29-941F-4322-8946-FBFDBAD7DEE7}" type="slidenum">
               <a:rPr lang="es-CO" smtClean="0"/>
-              <a:t>‹#›</a:t>
+              <a:t>‹Nº›</a:t>
             </a:fld>
             <a:endParaRPr lang="es-CO"/>
           </a:p>
@@ -2635,7 +2635,7 @@
           <a:p>
             <a:fld id="{4D6CBEC5-E3B3-4C79-AD18-FA1B603BD95D}" type="datetimeFigureOut">
               <a:rPr lang="es-CO" smtClean="0"/>
-              <a:t>31/07/20</a:t>
+              <a:t>29/01/21</a:t>
             </a:fld>
             <a:endParaRPr lang="es-CO"/>
           </a:p>
@@ -2698,7 +2698,7 @@
           <a:p>
             <a:fld id="{5F38FB29-941F-4322-8946-FBFDBAD7DEE7}" type="slidenum">
               <a:rPr lang="es-CO" smtClean="0"/>
-              <a:t>‹#›</a:t>
+              <a:t>‹Nº›</a:t>
             </a:fld>
             <a:endParaRPr lang="es-CO"/>
           </a:p>
@@ -3017,7 +3017,7 @@
           <a:p>
             <a:fld id="{4D6CBEC5-E3B3-4C79-AD18-FA1B603BD95D}" type="datetimeFigureOut">
               <a:rPr lang="es-CO" smtClean="0"/>
-              <a:t>31/07/20</a:t>
+              <a:t>29/01/21</a:t>
             </a:fld>
             <a:endParaRPr lang="es-CO"/>
           </a:p>
@@ -3059,7 +3059,7 @@
           <a:p>
             <a:fld id="{5F38FB29-941F-4322-8946-FBFDBAD7DEE7}" type="slidenum">
               <a:rPr lang="es-CO" smtClean="0"/>
-              <a:t>‹#›</a:t>
+              <a:t>‹Nº›</a:t>
             </a:fld>
             <a:endParaRPr lang="es-CO"/>
           </a:p>
@@ -3304,7 +3304,7 @@
           <a:p>
             <a:fld id="{4D6CBEC5-E3B3-4C79-AD18-FA1B603BD95D}" type="datetimeFigureOut">
               <a:rPr lang="es-CO" smtClean="0"/>
-              <a:t>31/07/20</a:t>
+              <a:t>29/01/21</a:t>
             </a:fld>
             <a:endParaRPr lang="es-CO"/>
           </a:p>
@@ -3378,7 +3378,7 @@
           <a:p>
             <a:fld id="{5F38FB29-941F-4322-8946-FBFDBAD7DEE7}" type="slidenum">
               <a:rPr lang="es-CO" smtClean="0"/>
-              <a:t>‹#›</a:t>
+              <a:t>‹Nº›</a:t>
             </a:fld>
             <a:endParaRPr lang="es-CO"/>
           </a:p>
@@ -4387,7 +4387,7 @@
             </a:pPr>
             <a:r>
               <a:rPr lang="en-US" sz="3200" dirty="0"/>
-              <a:t>git push --follow-tags</a:t>
+              <a:t>git push --tags</a:t>
             </a:r>
             <a:r>
               <a:rPr lang="es-ES" dirty="0"/>
@@ -4408,13 +4408,8 @@
             </a:r>
             <a:r>
               <a:rPr lang="es-ES" dirty="0"/>
-              <a:t> al remoto </a:t>
-            </a:r>
-            <a:r>
-              <a:rPr lang="es-ES"/>
-              <a:t>usando este comando</a:t>
-            </a:r>
-            <a:endParaRPr lang="es-ES" dirty="0"/>
+              <a:t> al remoto usando este comando</a:t>
+            </a:r>
           </a:p>
         </p:txBody>
       </p:sp>
